--- a/科研工作/行动导向的教学方法/行动导向的教学方法I.pptx
+++ b/科研工作/行动导向的教学方法/行动导向的教学方法I.pptx
@@ -12895,25 +12895,25 @@
     </dgm:pt>
   </dgm:ptLst>
   <dgm:cxnLst>
+    <dgm:cxn modelId="{FE74DFD0-E279-6646-A978-165C14A03388}" type="presOf" srcId="{4C866DA7-3077-CC47-A4BC-479C35EFAF81}" destId="{CED959F9-25CF-3044-B96D-DDA2E3B3A7D9}" srcOrd="0" destOrd="0" presId="urn:microsoft.com/office/officeart/2005/8/layout/process1"/>
+    <dgm:cxn modelId="{6B638450-D1AC-5F42-9328-17B081783592}" srcId="{EBDC352F-3058-F843-891E-DB2A64ECC69F}" destId="{9E95359D-BD3A-BE4C-AF75-5CAFAAB3A5D0}" srcOrd="3" destOrd="0" parTransId="{6D40CA05-948F-6F40-8A09-3D6A9F2463F6}" sibTransId="{5EDA24D0-0416-024E-8D75-89E45184975F}"/>
+    <dgm:cxn modelId="{59C7F3C2-886F-E548-8013-C671DC92D846}" srcId="{EBDC352F-3058-F843-891E-DB2A64ECC69F}" destId="{7C1037A4-8452-6341-8294-1F155D27B67C}" srcOrd="1" destOrd="0" parTransId="{2948A944-9F73-254F-9261-DD5CDABC8EE8}" sibTransId="{47DF76C0-EFA2-C04F-B4DD-5FB7FEB96609}"/>
+    <dgm:cxn modelId="{3D13A948-6617-F145-92A3-1593CF9B735C}" type="presOf" srcId="{7C1037A4-8452-6341-8294-1F155D27B67C}" destId="{70A977A4-1478-ED4A-A945-C7A21CE1B503}" srcOrd="0" destOrd="0" presId="urn:microsoft.com/office/officeart/2005/8/layout/process1"/>
+    <dgm:cxn modelId="{A9E99C37-1B78-9A4A-8FAE-814035964009}" type="presOf" srcId="{47DF76C0-EFA2-C04F-B4DD-5FB7FEB96609}" destId="{4DA59361-A018-E542-B4CA-8874B592D1ED}" srcOrd="1" destOrd="0" presId="urn:microsoft.com/office/officeart/2005/8/layout/process1"/>
+    <dgm:cxn modelId="{EE28B2DC-C0BF-DA47-AA7C-CA826C842181}" type="presOf" srcId="{4C866DA7-3077-CC47-A4BC-479C35EFAF81}" destId="{A1D2B931-BF02-AC4D-B0C8-F38042BDAE58}" srcOrd="1" destOrd="0" presId="urn:microsoft.com/office/officeart/2005/8/layout/process1"/>
+    <dgm:cxn modelId="{176DA07C-F176-AA43-9C15-BF45E4F77C24}" type="presOf" srcId="{EBDC352F-3058-F843-891E-DB2A64ECC69F}" destId="{7A60E760-0616-8646-BF36-058844127562}" srcOrd="0" destOrd="0" presId="urn:microsoft.com/office/officeart/2005/8/layout/process1"/>
+    <dgm:cxn modelId="{9A3EC76D-E40B-8F4A-9A95-2CB5007D4F5C}" srcId="{EBDC352F-3058-F843-891E-DB2A64ECC69F}" destId="{5B601E70-D641-BD40-BF5B-547F2D77AB21}" srcOrd="4" destOrd="0" parTransId="{0D819B49-2035-DA46-BD0F-EBF8848731CB}" sibTransId="{70BA41E9-A1B4-2A40-B1D3-ED6B64381A2D}"/>
+    <dgm:cxn modelId="{B0572377-8E4E-784B-A3A3-F8D09A8B1FAB}" srcId="{EBDC352F-3058-F843-891E-DB2A64ECC69F}" destId="{8DD96952-90F2-3346-968B-941ECA21A047}" srcOrd="2" destOrd="0" parTransId="{88680C55-A19C-0C43-AF6A-0783431D267E}" sibTransId="{BEB186C4-977A-094C-9BB8-0ADAD3A9DF7E}"/>
+    <dgm:cxn modelId="{BAF51104-02F2-AC46-BD20-9A8FBA5A0D00}" type="presOf" srcId="{5B65289F-CCC2-9B4E-8661-F5FF48C5DB54}" destId="{E7FFEA1F-4E8F-1242-8102-9CA613DFEF85}" srcOrd="0" destOrd="0" presId="urn:microsoft.com/office/officeart/2005/8/layout/process1"/>
+    <dgm:cxn modelId="{8BB75A44-E7EE-BC4C-A6AB-EAA361D59D3D}" srcId="{EBDC352F-3058-F843-891E-DB2A64ECC69F}" destId="{5B65289F-CCC2-9B4E-8661-F5FF48C5DB54}" srcOrd="0" destOrd="0" parTransId="{306A9F7E-4624-4C48-BE85-658FB451CC64}" sibTransId="{4C866DA7-3077-CC47-A4BC-479C35EFAF81}"/>
     <dgm:cxn modelId="{6A2432B9-86A1-0849-828E-C27B70C5A415}" type="presOf" srcId="{47DF76C0-EFA2-C04F-B4DD-5FB7FEB96609}" destId="{3A6D1428-EE23-6A4F-9B30-3FF167D964FA}" srcOrd="0" destOrd="0" presId="urn:microsoft.com/office/officeart/2005/8/layout/process1"/>
-    <dgm:cxn modelId="{A9E99C37-1B78-9A4A-8FAE-814035964009}" type="presOf" srcId="{47DF76C0-EFA2-C04F-B4DD-5FB7FEB96609}" destId="{4DA59361-A018-E542-B4CA-8874B592D1ED}" srcOrd="1" destOrd="0" presId="urn:microsoft.com/office/officeart/2005/8/layout/process1"/>
+    <dgm:cxn modelId="{7DC06AFF-D12D-6441-8070-DC861FC9E14F}" type="presOf" srcId="{8DD96952-90F2-3346-968B-941ECA21A047}" destId="{B7AD2E80-5AB8-8C4B-BEE9-5703DA0440D1}" srcOrd="0" destOrd="0" presId="urn:microsoft.com/office/officeart/2005/8/layout/process1"/>
+    <dgm:cxn modelId="{E2DF9F66-2ED9-D64D-94B4-38AE3E895930}" type="presOf" srcId="{5EDA24D0-0416-024E-8D75-89E45184975F}" destId="{9220197E-31E2-814D-ADC7-6A5AC8A42068}" srcOrd="1" destOrd="0" presId="urn:microsoft.com/office/officeart/2005/8/layout/process1"/>
+    <dgm:cxn modelId="{ADFC47CC-E0C9-C044-BB9D-8428CC98766C}" type="presOf" srcId="{BEB186C4-977A-094C-9BB8-0ADAD3A9DF7E}" destId="{6E1E12E8-C4B8-7141-8F75-2CACC912AC64}" srcOrd="1" destOrd="0" presId="urn:microsoft.com/office/officeart/2005/8/layout/process1"/>
+    <dgm:cxn modelId="{1A12D827-DBDB-F34B-9F23-0FC7F2DF82B6}" type="presOf" srcId="{9E95359D-BD3A-BE4C-AF75-5CAFAAB3A5D0}" destId="{598FD057-8B9F-3C4C-8190-2ECA87414F30}" srcOrd="0" destOrd="0" presId="urn:microsoft.com/office/officeart/2005/8/layout/process1"/>
     <dgm:cxn modelId="{C3232390-898D-104C-9D96-7B69FEDF5FEB}" type="presOf" srcId="{BEB186C4-977A-094C-9BB8-0ADAD3A9DF7E}" destId="{07549E7B-5881-324D-A442-1A4F8616054E}" srcOrd="0" destOrd="0" presId="urn:microsoft.com/office/officeart/2005/8/layout/process1"/>
-    <dgm:cxn modelId="{E2DF9F66-2ED9-D64D-94B4-38AE3E895930}" type="presOf" srcId="{5EDA24D0-0416-024E-8D75-89E45184975F}" destId="{9220197E-31E2-814D-ADC7-6A5AC8A42068}" srcOrd="1" destOrd="0" presId="urn:microsoft.com/office/officeart/2005/8/layout/process1"/>
-    <dgm:cxn modelId="{BAF51104-02F2-AC46-BD20-9A8FBA5A0D00}" type="presOf" srcId="{5B65289F-CCC2-9B4E-8661-F5FF48C5DB54}" destId="{E7FFEA1F-4E8F-1242-8102-9CA613DFEF85}" srcOrd="0" destOrd="0" presId="urn:microsoft.com/office/officeart/2005/8/layout/process1"/>
-    <dgm:cxn modelId="{ADFC47CC-E0C9-C044-BB9D-8428CC98766C}" type="presOf" srcId="{BEB186C4-977A-094C-9BB8-0ADAD3A9DF7E}" destId="{6E1E12E8-C4B8-7141-8F75-2CACC912AC64}" srcOrd="1" destOrd="0" presId="urn:microsoft.com/office/officeart/2005/8/layout/process1"/>
-    <dgm:cxn modelId="{59C7F3C2-886F-E548-8013-C671DC92D846}" srcId="{EBDC352F-3058-F843-891E-DB2A64ECC69F}" destId="{7C1037A4-8452-6341-8294-1F155D27B67C}" srcOrd="1" destOrd="0" parTransId="{2948A944-9F73-254F-9261-DD5CDABC8EE8}" sibTransId="{47DF76C0-EFA2-C04F-B4DD-5FB7FEB96609}"/>
-    <dgm:cxn modelId="{176DA07C-F176-AA43-9C15-BF45E4F77C24}" type="presOf" srcId="{EBDC352F-3058-F843-891E-DB2A64ECC69F}" destId="{7A60E760-0616-8646-BF36-058844127562}" srcOrd="0" destOrd="0" presId="urn:microsoft.com/office/officeart/2005/8/layout/process1"/>
+    <dgm:cxn modelId="{8685CAF8-D260-1F4A-8D37-0A9C008E7370}" type="presOf" srcId="{5EDA24D0-0416-024E-8D75-89E45184975F}" destId="{D85A1752-ECE2-7248-A527-944A309C4817}" srcOrd="0" destOrd="0" presId="urn:microsoft.com/office/officeart/2005/8/layout/process1"/>
     <dgm:cxn modelId="{D267347B-7891-B244-9412-54BB629598BC}" type="presOf" srcId="{5B601E70-D641-BD40-BF5B-547F2D77AB21}" destId="{D32B9983-F63A-E84E-9702-FF1F940AB04D}" srcOrd="0" destOrd="0" presId="urn:microsoft.com/office/officeart/2005/8/layout/process1"/>
-    <dgm:cxn modelId="{B0572377-8E4E-784B-A3A3-F8D09A8B1FAB}" srcId="{EBDC352F-3058-F843-891E-DB2A64ECC69F}" destId="{8DD96952-90F2-3346-968B-941ECA21A047}" srcOrd="2" destOrd="0" parTransId="{88680C55-A19C-0C43-AF6A-0783431D267E}" sibTransId="{BEB186C4-977A-094C-9BB8-0ADAD3A9DF7E}"/>
-    <dgm:cxn modelId="{EE28B2DC-C0BF-DA47-AA7C-CA826C842181}" type="presOf" srcId="{4C866DA7-3077-CC47-A4BC-479C35EFAF81}" destId="{A1D2B931-BF02-AC4D-B0C8-F38042BDAE58}" srcOrd="1" destOrd="0" presId="urn:microsoft.com/office/officeart/2005/8/layout/process1"/>
-    <dgm:cxn modelId="{8685CAF8-D260-1F4A-8D37-0A9C008E7370}" type="presOf" srcId="{5EDA24D0-0416-024E-8D75-89E45184975F}" destId="{D85A1752-ECE2-7248-A527-944A309C4817}" srcOrd="0" destOrd="0" presId="urn:microsoft.com/office/officeart/2005/8/layout/process1"/>
-    <dgm:cxn modelId="{6B638450-D1AC-5F42-9328-17B081783592}" srcId="{EBDC352F-3058-F843-891E-DB2A64ECC69F}" destId="{9E95359D-BD3A-BE4C-AF75-5CAFAAB3A5D0}" srcOrd="3" destOrd="0" parTransId="{6D40CA05-948F-6F40-8A09-3D6A9F2463F6}" sibTransId="{5EDA24D0-0416-024E-8D75-89E45184975F}"/>
-    <dgm:cxn modelId="{FE74DFD0-E279-6646-A978-165C14A03388}" type="presOf" srcId="{4C866DA7-3077-CC47-A4BC-479C35EFAF81}" destId="{CED959F9-25CF-3044-B96D-DDA2E3B3A7D9}" srcOrd="0" destOrd="0" presId="urn:microsoft.com/office/officeart/2005/8/layout/process1"/>
-    <dgm:cxn modelId="{3D13A948-6617-F145-92A3-1593CF9B735C}" type="presOf" srcId="{7C1037A4-8452-6341-8294-1F155D27B67C}" destId="{70A977A4-1478-ED4A-A945-C7A21CE1B503}" srcOrd="0" destOrd="0" presId="urn:microsoft.com/office/officeart/2005/8/layout/process1"/>
-    <dgm:cxn modelId="{8BB75A44-E7EE-BC4C-A6AB-EAA361D59D3D}" srcId="{EBDC352F-3058-F843-891E-DB2A64ECC69F}" destId="{5B65289F-CCC2-9B4E-8661-F5FF48C5DB54}" srcOrd="0" destOrd="0" parTransId="{306A9F7E-4624-4C48-BE85-658FB451CC64}" sibTransId="{4C866DA7-3077-CC47-A4BC-479C35EFAF81}"/>
-    <dgm:cxn modelId="{9A3EC76D-E40B-8F4A-9A95-2CB5007D4F5C}" srcId="{EBDC352F-3058-F843-891E-DB2A64ECC69F}" destId="{5B601E70-D641-BD40-BF5B-547F2D77AB21}" srcOrd="4" destOrd="0" parTransId="{0D819B49-2035-DA46-BD0F-EBF8848731CB}" sibTransId="{70BA41E9-A1B4-2A40-B1D3-ED6B64381A2D}"/>
-    <dgm:cxn modelId="{7DC06AFF-D12D-6441-8070-DC861FC9E14F}" type="presOf" srcId="{8DD96952-90F2-3346-968B-941ECA21A047}" destId="{B7AD2E80-5AB8-8C4B-BEE9-5703DA0440D1}" srcOrd="0" destOrd="0" presId="urn:microsoft.com/office/officeart/2005/8/layout/process1"/>
-    <dgm:cxn modelId="{1A12D827-DBDB-F34B-9F23-0FC7F2DF82B6}" type="presOf" srcId="{9E95359D-BD3A-BE4C-AF75-5CAFAAB3A5D0}" destId="{598FD057-8B9F-3C4C-8190-2ECA87414F30}" srcOrd="0" destOrd="0" presId="urn:microsoft.com/office/officeart/2005/8/layout/process1"/>
     <dgm:cxn modelId="{A7FB9E60-38D0-AC47-ADD7-5D03E9AEC821}" type="presParOf" srcId="{7A60E760-0616-8646-BF36-058844127562}" destId="{E7FFEA1F-4E8F-1242-8102-9CA613DFEF85}" srcOrd="0" destOrd="0" presId="urn:microsoft.com/office/officeart/2005/8/layout/process1"/>
     <dgm:cxn modelId="{FD6D60FC-F14C-6647-87C8-3C79E30F2722}" type="presParOf" srcId="{7A60E760-0616-8646-BF36-058844127562}" destId="{CED959F9-25CF-3044-B96D-DDA2E3B3A7D9}" srcOrd="1" destOrd="0" presId="urn:microsoft.com/office/officeart/2005/8/layout/process1"/>
     <dgm:cxn modelId="{9DA35739-DCA0-404F-A3AD-5139ACE33065}" type="presParOf" srcId="{CED959F9-25CF-3044-B96D-DDA2E3B3A7D9}" destId="{A1D2B931-BF02-AC4D-B0C8-F38042BDAE58}" srcOrd="0" destOrd="0" presId="urn:microsoft.com/office/officeart/2005/8/layout/process1"/>
@@ -40907,15 +40907,15 @@
             </a:r>
             <a:r>
               <a:rPr kumimoji="1" lang="zh-CN" altLang="en-US" dirty="0" smtClean="0"/>
-              <a:t>）、</a:t>
+              <a:t>）、帕累托图</a:t>
             </a:r>
             <a:r>
               <a:rPr kumimoji="1" lang="zh-CN" altLang="en-US" dirty="0" smtClean="0"/>
-              <a:t>帕累</a:t>
+              <a:t>、</a:t>
             </a:r>
             <a:r>
               <a:rPr kumimoji="1" lang="zh-CN" altLang="en-US" dirty="0" smtClean="0"/>
-              <a:t>托图、管制</a:t>
+              <a:t>管控</a:t>
             </a:r>
             <a:r>
               <a:rPr kumimoji="1" lang="zh-CN" altLang="en-US" dirty="0" smtClean="0"/>
@@ -42180,7 +42180,7 @@
               <a:buChar char="•"/>
             </a:pPr>
             <a:r>
-              <a:rPr kumimoji="1" lang="zh-CN" altLang="en-US" sz="1200">
+              <a:rPr kumimoji="1" lang="zh-CN" altLang="en-US" sz="1200" dirty="0">
                 <a:latin typeface="Microsoft YaHei" charset="0"/>
                 <a:ea typeface="Microsoft YaHei" charset="0"/>
                 <a:cs typeface="Microsoft YaHei" charset="0"/>
@@ -42194,20 +42194,12 @@
               <a:buChar char="•"/>
             </a:pPr>
             <a:r>
-              <a:rPr kumimoji="1" lang="zh-CN" altLang="en-US" sz="1200" smtClean="0">
-                <a:latin typeface="Microsoft YaHei" charset="0"/>
-                <a:ea typeface="Microsoft YaHei" charset="0"/>
-                <a:cs typeface="Microsoft YaHei" charset="0"/>
-              </a:rPr>
-              <a:t>帕累</a:t>
-            </a:r>
-            <a:r>
               <a:rPr kumimoji="1" lang="zh-CN" altLang="en-US" sz="1200" dirty="0" smtClean="0">
                 <a:latin typeface="Microsoft YaHei" charset="0"/>
                 <a:ea typeface="Microsoft YaHei" charset="0"/>
                 <a:cs typeface="Microsoft YaHei" charset="0"/>
               </a:rPr>
-              <a:t>托图</a:t>
+              <a:t>帕累托图</a:t>
             </a:r>
           </a:p>
           <a:p>
@@ -42221,15 +42213,7 @@
                 <a:ea typeface="Microsoft YaHei" charset="0"/>
                 <a:cs typeface="Microsoft YaHei" charset="0"/>
               </a:rPr>
-              <a:t>管制</a:t>
-            </a:r>
-            <a:r>
-              <a:rPr kumimoji="1" lang="zh-CN" altLang="en-US" sz="1200" dirty="0" smtClean="0">
-                <a:latin typeface="Microsoft YaHei" charset="0"/>
-                <a:ea typeface="Microsoft YaHei" charset="0"/>
-                <a:cs typeface="Microsoft YaHei" charset="0"/>
-              </a:rPr>
-              <a:t>图</a:t>
+              <a:t>管控图</a:t>
             </a:r>
             <a:endParaRPr kumimoji="1" lang="zh-CN" altLang="en-US" sz="1200" dirty="0" smtClean="0">
               <a:latin typeface="Microsoft YaHei" charset="0"/>
